--- a/台北市_人口遷移專案.pptx
+++ b/台北市_人口遷移專案.pptx
@@ -211,7 +211,7 @@
           <a:p>
             <a:fld id="{5BF752B9-A7D0-4A51-9024-4019FDA8F385}" type="datetimeFigureOut">
               <a:rPr lang="zh-TW" altLang="en-US" smtClean="0"/>
-              <a:t>2023/7/21</a:t>
+              <a:t>2023/7/27</a:t>
             </a:fld>
             <a:endParaRPr lang="zh-TW" altLang="en-US"/>
           </a:p>
@@ -1840,7 +1840,7 @@
           <a:p>
             <a:fld id="{6CE1EDC1-3F6E-45E5-85E4-910DB4317C9E}" type="datetimeFigureOut">
               <a:rPr lang="zh-TW" altLang="en-US" smtClean="0"/>
-              <a:t>2023/7/21</a:t>
+              <a:t>2023/7/27</a:t>
             </a:fld>
             <a:endParaRPr lang="zh-TW" altLang="en-US"/>
           </a:p>
@@ -2038,7 +2038,7 @@
           <a:p>
             <a:fld id="{6CE1EDC1-3F6E-45E5-85E4-910DB4317C9E}" type="datetimeFigureOut">
               <a:rPr lang="zh-TW" altLang="en-US" smtClean="0"/>
-              <a:t>2023/7/21</a:t>
+              <a:t>2023/7/27</a:t>
             </a:fld>
             <a:endParaRPr lang="zh-TW" altLang="en-US"/>
           </a:p>
@@ -2246,7 +2246,7 @@
           <a:p>
             <a:fld id="{6CE1EDC1-3F6E-45E5-85E4-910DB4317C9E}" type="datetimeFigureOut">
               <a:rPr lang="zh-TW" altLang="en-US" smtClean="0"/>
-              <a:t>2023/7/21</a:t>
+              <a:t>2023/7/27</a:t>
             </a:fld>
             <a:endParaRPr lang="zh-TW" altLang="en-US"/>
           </a:p>
@@ -2392,7 +2392,7 @@
           <a:p>
             <a:fld id="{4593DFB7-2051-4E67-B6EC-E121F56A7FF3}" type="datetimeFigureOut">
               <a:rPr lang="zh-CN" altLang="en-US" smtClean="0"/>
-              <a:t>2023/7/21</a:t>
+              <a:t>2023/7/27</a:t>
             </a:fld>
             <a:endParaRPr lang="zh-CN" altLang="en-US"/>
           </a:p>
@@ -2633,7 +2633,7 @@
           <a:p>
             <a:fld id="{6CE1EDC1-3F6E-45E5-85E4-910DB4317C9E}" type="datetimeFigureOut">
               <a:rPr lang="zh-TW" altLang="en-US" smtClean="0"/>
-              <a:t>2023/7/21</a:t>
+              <a:t>2023/7/27</a:t>
             </a:fld>
             <a:endParaRPr lang="zh-TW" altLang="en-US"/>
           </a:p>
@@ -2908,7 +2908,7 @@
           <a:p>
             <a:fld id="{6CE1EDC1-3F6E-45E5-85E4-910DB4317C9E}" type="datetimeFigureOut">
               <a:rPr lang="zh-TW" altLang="en-US" smtClean="0"/>
-              <a:t>2023/7/21</a:t>
+              <a:t>2023/7/27</a:t>
             </a:fld>
             <a:endParaRPr lang="zh-TW" altLang="en-US"/>
           </a:p>
@@ -3173,7 +3173,7 @@
           <a:p>
             <a:fld id="{6CE1EDC1-3F6E-45E5-85E4-910DB4317C9E}" type="datetimeFigureOut">
               <a:rPr lang="zh-TW" altLang="en-US" smtClean="0"/>
-              <a:t>2023/7/21</a:t>
+              <a:t>2023/7/27</a:t>
             </a:fld>
             <a:endParaRPr lang="zh-TW" altLang="en-US"/>
           </a:p>
@@ -3585,7 +3585,7 @@
           <a:p>
             <a:fld id="{6CE1EDC1-3F6E-45E5-85E4-910DB4317C9E}" type="datetimeFigureOut">
               <a:rPr lang="zh-TW" altLang="en-US" smtClean="0"/>
-              <a:t>2023/7/21</a:t>
+              <a:t>2023/7/27</a:t>
             </a:fld>
             <a:endParaRPr lang="zh-TW" altLang="en-US"/>
           </a:p>
@@ -3726,7 +3726,7 @@
           <a:p>
             <a:fld id="{6CE1EDC1-3F6E-45E5-85E4-910DB4317C9E}" type="datetimeFigureOut">
               <a:rPr lang="zh-TW" altLang="en-US" smtClean="0"/>
-              <a:t>2023/7/21</a:t>
+              <a:t>2023/7/27</a:t>
             </a:fld>
             <a:endParaRPr lang="zh-TW" altLang="en-US"/>
           </a:p>
@@ -3839,7 +3839,7 @@
           <a:p>
             <a:fld id="{6CE1EDC1-3F6E-45E5-85E4-910DB4317C9E}" type="datetimeFigureOut">
               <a:rPr lang="zh-TW" altLang="en-US" smtClean="0"/>
-              <a:t>2023/7/21</a:t>
+              <a:t>2023/7/27</a:t>
             </a:fld>
             <a:endParaRPr lang="zh-TW" altLang="en-US"/>
           </a:p>
@@ -4150,7 +4150,7 @@
           <a:p>
             <a:fld id="{6CE1EDC1-3F6E-45E5-85E4-910DB4317C9E}" type="datetimeFigureOut">
               <a:rPr lang="zh-TW" altLang="en-US" smtClean="0"/>
-              <a:t>2023/7/21</a:t>
+              <a:t>2023/7/27</a:t>
             </a:fld>
             <a:endParaRPr lang="zh-TW" altLang="en-US"/>
           </a:p>
@@ -4438,7 +4438,7 @@
           <a:p>
             <a:fld id="{6CE1EDC1-3F6E-45E5-85E4-910DB4317C9E}" type="datetimeFigureOut">
               <a:rPr lang="zh-TW" altLang="en-US" smtClean="0"/>
-              <a:t>2023/7/21</a:t>
+              <a:t>2023/7/27</a:t>
             </a:fld>
             <a:endParaRPr lang="zh-TW" altLang="en-US"/>
           </a:p>
@@ -4679,7 +4679,7 @@
           <a:p>
             <a:fld id="{6CE1EDC1-3F6E-45E5-85E4-910DB4317C9E}" type="datetimeFigureOut">
               <a:rPr lang="zh-TW" altLang="en-US" smtClean="0"/>
-              <a:t>2023/7/21</a:t>
+              <a:t>2023/7/27</a:t>
             </a:fld>
             <a:endParaRPr lang="zh-TW" altLang="en-US"/>
           </a:p>
@@ -9847,65 +9847,6 @@
           </a:p>
         </p:txBody>
       </p:sp>
-      <p:sp>
-        <p:nvSpPr>
-          <p:cNvPr id="5" name="缺角矩形 4"/>
-          <p:cNvSpPr/>
-          <p:nvPr/>
-        </p:nvSpPr>
-        <p:spPr>
-          <a:xfrm>
-            <a:off x="7326228" y="2997319"/>
-            <a:ext cx="2757261" cy="2577924"/>
-          </a:xfrm>
-          <a:prstGeom prst="plaque">
-            <a:avLst/>
-          </a:prstGeom>
-          <a:solidFill>
-            <a:schemeClr val="tx2">
-              <a:lumMod val="40000"/>
-              <a:lumOff val="60000"/>
-            </a:schemeClr>
-          </a:solidFill>
-          <a:ln>
-            <a:noFill/>
-          </a:ln>
-        </p:spPr>
-        <p:style>
-          <a:lnRef idx="2">
-            <a:schemeClr val="accent1">
-              <a:shade val="50000"/>
-            </a:schemeClr>
-          </a:lnRef>
-          <a:fillRef idx="1">
-            <a:schemeClr val="accent1"/>
-          </a:fillRef>
-          <a:effectRef idx="0">
-            <a:schemeClr val="accent1"/>
-          </a:effectRef>
-          <a:fontRef idx="minor">
-            <a:schemeClr val="lt1"/>
-          </a:fontRef>
-        </p:style>
-        <p:txBody>
-          <a:bodyPr rtlCol="0" anchor="ctr"/>
-          <a:lstStyle/>
-          <a:p>
-            <a:pPr algn="ctr"/>
-            <a:r>
-              <a:rPr lang="en-US" altLang="zh-CN" sz="2400" dirty="0">
-                <a:cs typeface="+mn-ea"/>
-                <a:sym typeface="+mn-lt"/>
-              </a:rPr>
-              <a:t>TWO</a:t>
-            </a:r>
-            <a:endParaRPr lang="zh-CN" altLang="en-US" sz="2400" dirty="0">
-              <a:cs typeface="+mn-ea"/>
-              <a:sym typeface="+mn-lt"/>
-            </a:endParaRPr>
-          </a:p>
-        </p:txBody>
-      </p:sp>
       <p:grpSp>
         <p:nvGrpSpPr>
           <p:cNvPr id="22" name="组合 21"/>
@@ -10158,6 +10099,78 @@
           </a:p>
         </p:txBody>
       </p:sp>
+      <p:pic>
+        <p:nvPicPr>
+          <p:cNvPr id="4" name="圖片 3">
+            <a:extLst>
+              <a:ext uri="{FF2B5EF4-FFF2-40B4-BE49-F238E27FC236}">
+                <a16:creationId xmlns:a16="http://schemas.microsoft.com/office/drawing/2014/main" id="{08E9A8A1-406F-86DE-6031-C7240D96FB96}"/>
+              </a:ext>
+            </a:extLst>
+          </p:cNvPr>
+          <p:cNvPicPr>
+            <a:picLocks noChangeAspect="1"/>
+          </p:cNvPicPr>
+          <p:nvPr/>
+        </p:nvPicPr>
+        <p:blipFill>
+          <a:blip r:embed="rId3">
+            <a:extLst>
+              <a:ext uri="{28A0092B-C50C-407E-A947-70E740481C1C}">
+                <a14:useLocalDpi xmlns:a14="http://schemas.microsoft.com/office/drawing/2010/main" val="0"/>
+              </a:ext>
+            </a:extLst>
+          </a:blip>
+          <a:stretch>
+            <a:fillRect/>
+          </a:stretch>
+        </p:blipFill>
+        <p:spPr>
+          <a:xfrm>
+            <a:off x="2276123" y="2822052"/>
+            <a:ext cx="2880000" cy="2880000"/>
+          </a:xfrm>
+          <a:prstGeom prst="rect">
+            <a:avLst/>
+          </a:prstGeom>
+        </p:spPr>
+      </p:pic>
+      <p:pic>
+        <p:nvPicPr>
+          <p:cNvPr id="9" name="圖片 8">
+            <a:extLst>
+              <a:ext uri="{FF2B5EF4-FFF2-40B4-BE49-F238E27FC236}">
+                <a16:creationId xmlns:a16="http://schemas.microsoft.com/office/drawing/2014/main" id="{A71B1E8F-64B7-7CB7-75FE-8176AB3956C2}"/>
+              </a:ext>
+            </a:extLst>
+          </p:cNvPr>
+          <p:cNvPicPr>
+            <a:picLocks noChangeAspect="1"/>
+          </p:cNvPicPr>
+          <p:nvPr/>
+        </p:nvPicPr>
+        <p:blipFill>
+          <a:blip r:embed="rId3">
+            <a:extLst>
+              <a:ext uri="{28A0092B-C50C-407E-A947-70E740481C1C}">
+                <a14:useLocalDpi xmlns:a14="http://schemas.microsoft.com/office/drawing/2010/main" val="0"/>
+              </a:ext>
+            </a:extLst>
+          </a:blip>
+          <a:stretch>
+            <a:fillRect/>
+          </a:stretch>
+        </p:blipFill>
+        <p:spPr>
+          <a:xfrm>
+            <a:off x="6890729" y="2822052"/>
+            <a:ext cx="2880000" cy="2880000"/>
+          </a:xfrm>
+          <a:prstGeom prst="rect">
+            <a:avLst/>
+          </a:prstGeom>
+        </p:spPr>
+      </p:pic>
     </p:spTree>
   </p:cSld>
   <p:clrMapOvr>
